--- a/test/pptx/speaker-notes/deleted-layouts.pptx
+++ b/test/pptx/speaker-notes/deleted-layouts.pptx
@@ -3669,6 +3669,9 @@
   <p:clrMap accent1="accent1" accent2="accent2" accent3="accent3" accent4="accent4" accent5="accent5" accent6="accent6" bg1="dk1" bg2="dk2" folHlink="folHlink" hlink="hlink" tx1="lt1" tx2="lt2"/>
   <p:sldLayoutIdLst>
     <p:sldLayoutId id="2147483649" r:id="rId1"/>
+    <p:sldLayoutId id="2147483655" r:id="rId9"/>
+    <p:sldLayoutId id="2147483654" r:id="rId8"/>
+    <p:sldLayoutId id="2147483653" r:id="rId7"/>
     <p:sldLayoutId id="2147483652" r:id="rId6"/>
     <p:sldLayoutId id="2147483651" r:id="rId5"/>
     <p:sldLayoutId id="2147483650" r:id="rId4"/>

--- a/test/pptx/speaker-notes/deleted-layouts.pptx
+++ b/test/pptx/speaker-notes/deleted-layouts.pptx
@@ -5,7 +5,7 @@
     <p:sldMasterId id="2147483648" r:id="rId1"/>
   </p:sldMasterIdLst>
   <p:notesMasterIdLst>
-    <p:NotesMasterId r:id="rId6"/>
+    <p:notesMasterId r:id="rId6"/>
   </p:notesMasterIdLst>
   <p:sldIdLst>
     <p:sldId id="256" r:id="rId2"/>

--- a/test/pptx/speaker-notes/deleted-layouts.pptx
+++ b/test/pptx/speaker-notes/deleted-layouts.pptx
@@ -517,77 +517,37 @@
             </a:pPr>
             <a:r>
               <a:rPr/>
-              <a:t>Here</a:t>
+              <a:t>Here is a note.</a:t>
+            </a:r>
+          </a:p>
+          <a:p>
+            <a:pPr lvl="0" marL="0" indent="0">
+              <a:buNone/>
+            </a:pPr>
+          </a:p>
+          <a:p>
+            <a:pPr lvl="0" marL="0" indent="0">
+              <a:buNone/>
+            </a:pPr>
+            <a:r>
+              <a:rPr/>
+              <a:t>Here is </a:t>
+            </a:r>
+            <a:r>
+              <a:rPr i="1"/>
+              <a:t>some</a:t>
             </a:r>
             <a:r>
               <a:rPr/>
               <a:t> </a:t>
             </a:r>
             <a:r>
-              <a:rPr/>
-              <a:t>is</a:t>
-            </a:r>
-            <a:r>
-              <a:rPr/>
-              <a:t> </a:t>
-            </a:r>
-            <a:r>
-              <a:rPr/>
-              <a:t>a</a:t>
-            </a:r>
-            <a:r>
-              <a:rPr/>
-              <a:t> </a:t>
-            </a:r>
-            <a:r>
-              <a:rPr/>
-              <a:t>note.</a:t>
-            </a:r>
-          </a:p>
-          <a:p>
-            <a:pPr lvl="0" marL="0" indent="0">
-              <a:buNone/>
-            </a:pPr>
-          </a:p>
-          <a:p>
-            <a:pPr lvl="0" marL="0" indent="0">
-              <a:buNone/>
-            </a:pPr>
-            <a:r>
-              <a:rPr/>
-              <a:t>Here</a:t>
-            </a:r>
-            <a:r>
-              <a:rPr/>
-              <a:t> </a:t>
-            </a:r>
-            <a:r>
-              <a:rPr/>
-              <a:t>is</a:t>
-            </a:r>
-            <a:r>
-              <a:rPr/>
-              <a:t> </a:t>
-            </a:r>
-            <a:r>
-              <a:rPr i="1"/>
-              <a:t>some</a:t>
-            </a:r>
-            <a:r>
-              <a:rPr/>
-              <a:t> </a:t>
-            </a:r>
-            <a:r>
               <a:rPr b="1"/>
               <a:t>other</a:t>
             </a:r>
             <a:r>
               <a:rPr/>
-              <a:t> </a:t>
-            </a:r>
-            <a:r>
-              <a:rPr/>
-              <a:t>formatting.</a:t>
+              <a:t> formatting.</a:t>
             </a:r>
           </a:p>
         </p:txBody>
@@ -669,69 +629,21 @@
             </a:pPr>
             <a:r>
               <a:rPr/>
-              <a:t>The</a:t>
-            </a:r>
+              <a:t>The first note div</a:t>
+            </a:r>
+          </a:p>
+          <a:p>
+            <a:pPr lvl="0" marL="0" indent="0">
+              <a:buNone/>
+            </a:pPr>
+          </a:p>
+          <a:p>
+            <a:pPr lvl="0" marL="0" indent="0">
+              <a:buNone/>
+            </a:pPr>
             <a:r>
               <a:rPr/>
-              <a:t> </a:t>
-            </a:r>
-            <a:r>
-              <a:rPr/>
-              <a:t>first</a:t>
-            </a:r>
-            <a:r>
-              <a:rPr/>
-              <a:t> </a:t>
-            </a:r>
-            <a:r>
-              <a:rPr/>
-              <a:t>note</a:t>
-            </a:r>
-            <a:r>
-              <a:rPr/>
-              <a:t> </a:t>
-            </a:r>
-            <a:r>
-              <a:rPr/>
-              <a:t>div</a:t>
-            </a:r>
-          </a:p>
-          <a:p>
-            <a:pPr lvl="0" marL="0" indent="0">
-              <a:buNone/>
-            </a:pPr>
-          </a:p>
-          <a:p>
-            <a:pPr lvl="0" marL="0" indent="0">
-              <a:buNone/>
-            </a:pPr>
-            <a:r>
-              <a:rPr/>
-              <a:t>The</a:t>
-            </a:r>
-            <a:r>
-              <a:rPr/>
-              <a:t> </a:t>
-            </a:r>
-            <a:r>
-              <a:rPr/>
-              <a:t>second</a:t>
-            </a:r>
-            <a:r>
-              <a:rPr/>
-              <a:t> </a:t>
-            </a:r>
-            <a:r>
-              <a:rPr/>
-              <a:t>note</a:t>
-            </a:r>
-            <a:r>
-              <a:rPr/>
-              <a:t> </a:t>
-            </a:r>
-            <a:r>
-              <a:rPr/>
-              <a:t>div</a:t>
+              <a:t>The second note div</a:t>
             </a:r>
           </a:p>
         </p:txBody>
@@ -813,11 +725,7 @@
             </a:pPr>
             <a:r>
               <a:rPr/>
-              <a:t>No</a:t>
-            </a:r>
-            <a:r>
-              <a:rPr/>
-              <a:t> </a:t>
+              <a:t>No </a:t>
             </a:r>
             <a:r>
               <a:rPr/>
@@ -825,41 +733,21 @@
             </a:r>
             <a:r>
               <a:rPr/>
-              <a:t> </a:t>
-            </a:r>
+              <a:t> here.</a:t>
+            </a:r>
+          </a:p>
+          <a:p>
+            <a:pPr lvl="0" marL="0" indent="0">
+              <a:buNone/>
+            </a:pPr>
+          </a:p>
+          <a:p>
+            <a:pPr lvl="0" marL="0" indent="0">
+              <a:buNone/>
+            </a:pPr>
             <a:r>
               <a:rPr/>
-              <a:t>here.</a:t>
-            </a:r>
-          </a:p>
-          <a:p>
-            <a:pPr lvl="0" marL="0" indent="0">
-              <a:buNone/>
-            </a:pPr>
-          </a:p>
-          <a:p>
-            <a:pPr lvl="0" marL="0" indent="0">
-              <a:buNone/>
-            </a:pPr>
-            <a:r>
-              <a:rPr/>
-              <a:t>No</a:t>
-            </a:r>
-            <a:r>
-              <a:rPr/>
-              <a:t> </a:t>
-            </a:r>
-            <a:r>
-              <a:rPr/>
-              <a:t>note</a:t>
-            </a:r>
-            <a:r>
-              <a:rPr/>
-              <a:t> </a:t>
-            </a:r>
-            <a:r>
-              <a:rPr/>
-              <a:t>here.</a:t>
+              <a:t>No note here.</a:t>
             </a:r>
           </a:p>
         </p:txBody>

--- a/test/pptx/speaker-notes/deleted-layouts.pptx
+++ b/test/pptx/speaker-notes/deleted-layouts.pptx
@@ -517,77 +517,53 @@
             </a:pPr>
             <a:r>
               <a:rPr/>
-              <a:t>Here</a:t>
+              <a:t>Here </a:t>
+            </a:r>
+            <a:r>
+              <a:rPr/>
+              <a:t>is </a:t>
+            </a:r>
+            <a:r>
+              <a:rPr/>
+              <a:t>a </a:t>
+            </a:r>
+            <a:r>
+              <a:rPr/>
+              <a:t>note.</a:t>
+            </a:r>
+          </a:p>
+          <a:p>
+            <a:pPr lvl="0" marL="0" indent="0">
+              <a:buNone/>
+            </a:pPr>
+          </a:p>
+          <a:p>
+            <a:pPr lvl="0" marL="0" indent="0">
+              <a:buNone/>
+            </a:pPr>
+            <a:r>
+              <a:rPr/>
+              <a:t>Here </a:t>
+            </a:r>
+            <a:r>
+              <a:rPr/>
+              <a:t>is </a:t>
+            </a:r>
+            <a:r>
+              <a:rPr i="1"/>
+              <a:t>some</a:t>
             </a:r>
             <a:r>
               <a:rPr/>
               <a:t> </a:t>
             </a:r>
             <a:r>
-              <a:rPr/>
-              <a:t>is</a:t>
-            </a:r>
-            <a:r>
-              <a:rPr/>
-              <a:t> </a:t>
-            </a:r>
-            <a:r>
-              <a:rPr/>
-              <a:t>a</a:t>
-            </a:r>
-            <a:r>
-              <a:rPr/>
-              <a:t> </a:t>
-            </a:r>
-            <a:r>
-              <a:rPr/>
-              <a:t>note.</a:t>
-            </a:r>
-          </a:p>
-          <a:p>
-            <a:pPr lvl="0" marL="0" indent="0">
-              <a:buNone/>
-            </a:pPr>
-          </a:p>
-          <a:p>
-            <a:pPr lvl="0" marL="0" indent="0">
-              <a:buNone/>
-            </a:pPr>
-            <a:r>
-              <a:rPr/>
-              <a:t>Here</a:t>
-            </a:r>
-            <a:r>
-              <a:rPr/>
-              <a:t> </a:t>
-            </a:r>
-            <a:r>
-              <a:rPr/>
-              <a:t>is</a:t>
-            </a:r>
-            <a:r>
-              <a:rPr/>
-              <a:t> </a:t>
-            </a:r>
-            <a:r>
-              <a:rPr i="1"/>
-              <a:t>some</a:t>
-            </a:r>
-            <a:r>
-              <a:rPr/>
-              <a:t> </a:t>
-            </a:r>
-            <a:r>
               <a:rPr b="1"/>
               <a:t>other</a:t>
             </a:r>
             <a:r>
               <a:rPr/>
-              <a:t> </a:t>
-            </a:r>
-            <a:r>
-              <a:rPr/>
-              <a:t>formatting.</a:t>
+              <a:t> formatting.</a:t>
             </a:r>
           </a:p>
         </p:txBody>
@@ -669,27 +645,15 @@
             </a:pPr>
             <a:r>
               <a:rPr/>
-              <a:t>The</a:t>
+              <a:t>The </a:t>
             </a:r>
             <a:r>
               <a:rPr/>
-              <a:t> </a:t>
+              <a:t>first </a:t>
             </a:r>
             <a:r>
               <a:rPr/>
-              <a:t>first</a:t>
-            </a:r>
-            <a:r>
-              <a:rPr/>
-              <a:t> </a:t>
-            </a:r>
-            <a:r>
-              <a:rPr/>
-              <a:t>note</a:t>
-            </a:r>
-            <a:r>
-              <a:rPr/>
-              <a:t> </a:t>
+              <a:t>note </a:t>
             </a:r>
             <a:r>
               <a:rPr/>
@@ -707,27 +671,15 @@
             </a:pPr>
             <a:r>
               <a:rPr/>
-              <a:t>The</a:t>
+              <a:t>The </a:t>
             </a:r>
             <a:r>
               <a:rPr/>
-              <a:t> </a:t>
+              <a:t>second </a:t>
             </a:r>
             <a:r>
               <a:rPr/>
-              <a:t>second</a:t>
-            </a:r>
-            <a:r>
-              <a:rPr/>
-              <a:t> </a:t>
-            </a:r>
-            <a:r>
-              <a:rPr/>
-              <a:t>note</a:t>
-            </a:r>
-            <a:r>
-              <a:rPr/>
-              <a:t> </a:t>
+              <a:t>note </a:t>
             </a:r>
             <a:r>
               <a:rPr/>
@@ -813,11 +765,7 @@
             </a:pPr>
             <a:r>
               <a:rPr/>
-              <a:t>No</a:t>
-            </a:r>
-            <a:r>
-              <a:rPr/>
-              <a:t> </a:t>
+              <a:t>No </a:t>
             </a:r>
             <a:r>
               <a:rPr/>
@@ -825,37 +773,25 @@
             </a:r>
             <a:r>
               <a:rPr/>
-              <a:t> </a:t>
-            </a:r>
+              <a:t> here.</a:t>
+            </a:r>
+          </a:p>
+          <a:p>
+            <a:pPr lvl="0" marL="0" indent="0">
+              <a:buNone/>
+            </a:pPr>
+          </a:p>
+          <a:p>
+            <a:pPr lvl="0" marL="0" indent="0">
+              <a:buNone/>
+            </a:pPr>
             <a:r>
               <a:rPr/>
-              <a:t>here.</a:t>
-            </a:r>
-          </a:p>
-          <a:p>
-            <a:pPr lvl="0" marL="0" indent="0">
-              <a:buNone/>
-            </a:pPr>
-          </a:p>
-          <a:p>
-            <a:pPr lvl="0" marL="0" indent="0">
-              <a:buNone/>
-            </a:pPr>
+              <a:t>No </a:t>
+            </a:r>
             <a:r>
               <a:rPr/>
-              <a:t>No</a:t>
-            </a:r>
-            <a:r>
-              <a:rPr/>
-              <a:t> </a:t>
-            </a:r>
-            <a:r>
-              <a:rPr/>
-              <a:t>note</a:t>
-            </a:r>
-            <a:r>
-              <a:rPr/>
-              <a:t> </a:t>
+              <a:t>note </a:t>
             </a:r>
             <a:r>
               <a:rPr/>

--- a/test/pptx/speaker-notes/deleted-layouts.pptx
+++ b/test/pptx/speaker-notes/deleted-layouts.pptx
@@ -517,15 +517,27 @@
             </a:pPr>
             <a:r>
               <a:rPr/>
-              <a:t>Here </a:t>
+              <a:t>Here</a:t>
             </a:r>
             <a:r>
               <a:rPr/>
-              <a:t>is </a:t>
+              <a:t> </a:t>
             </a:r>
             <a:r>
               <a:rPr/>
-              <a:t>a </a:t>
+              <a:t>is</a:t>
+            </a:r>
+            <a:r>
+              <a:rPr/>
+              <a:t> </a:t>
+            </a:r>
+            <a:r>
+              <a:rPr/>
+              <a:t>a</a:t>
+            </a:r>
+            <a:r>
+              <a:rPr/>
+              <a:t> </a:t>
             </a:r>
             <a:r>
               <a:rPr/>
@@ -543,11 +555,19 @@
             </a:pPr>
             <a:r>
               <a:rPr/>
-              <a:t>Here </a:t>
+              <a:t>Here</a:t>
             </a:r>
             <a:r>
               <a:rPr/>
-              <a:t>is </a:t>
+              <a:t> </a:t>
+            </a:r>
+            <a:r>
+              <a:rPr/>
+              <a:t>is</a:t>
+            </a:r>
+            <a:r>
+              <a:rPr/>
+              <a:t> </a:t>
             </a:r>
             <a:r>
               <a:rPr i="1"/>
@@ -563,7 +583,11 @@
             </a:r>
             <a:r>
               <a:rPr/>
-              <a:t> formatting.</a:t>
+              <a:t> </a:t>
+            </a:r>
+            <a:r>
+              <a:rPr/>
+              <a:t>formatting.</a:t>
             </a:r>
           </a:p>
         </p:txBody>
@@ -645,15 +669,27 @@
             </a:pPr>
             <a:r>
               <a:rPr/>
-              <a:t>The </a:t>
+              <a:t>The</a:t>
             </a:r>
             <a:r>
               <a:rPr/>
-              <a:t>first </a:t>
+              <a:t> </a:t>
             </a:r>
             <a:r>
               <a:rPr/>
-              <a:t>note </a:t>
+              <a:t>first</a:t>
+            </a:r>
+            <a:r>
+              <a:rPr/>
+              <a:t> </a:t>
+            </a:r>
+            <a:r>
+              <a:rPr/>
+              <a:t>note</a:t>
+            </a:r>
+            <a:r>
+              <a:rPr/>
+              <a:t> </a:t>
             </a:r>
             <a:r>
               <a:rPr/>
@@ -671,15 +707,27 @@
             </a:pPr>
             <a:r>
               <a:rPr/>
-              <a:t>The </a:t>
+              <a:t>The</a:t>
             </a:r>
             <a:r>
               <a:rPr/>
-              <a:t>second </a:t>
+              <a:t> </a:t>
             </a:r>
             <a:r>
               <a:rPr/>
-              <a:t>note </a:t>
+              <a:t>second</a:t>
+            </a:r>
+            <a:r>
+              <a:rPr/>
+              <a:t> </a:t>
+            </a:r>
+            <a:r>
+              <a:rPr/>
+              <a:t>note</a:t>
+            </a:r>
+            <a:r>
+              <a:rPr/>
+              <a:t> </a:t>
             </a:r>
             <a:r>
               <a:rPr/>
@@ -765,7 +813,11 @@
             </a:pPr>
             <a:r>
               <a:rPr/>
-              <a:t>No </a:t>
+              <a:t>No</a:t>
+            </a:r>
+            <a:r>
+              <a:rPr/>
+              <a:t> </a:t>
             </a:r>
             <a:r>
               <a:rPr/>
@@ -773,7 +825,11 @@
             </a:r>
             <a:r>
               <a:rPr/>
-              <a:t> here.</a:t>
+              <a:t> </a:t>
+            </a:r>
+            <a:r>
+              <a:rPr/>
+              <a:t>here.</a:t>
             </a:r>
           </a:p>
           <a:p>
@@ -787,11 +843,19 @@
             </a:pPr>
             <a:r>
               <a:rPr/>
-              <a:t>No </a:t>
+              <a:t>No</a:t>
             </a:r>
             <a:r>
               <a:rPr/>
-              <a:t>note </a:t>
+              <a:t> </a:t>
+            </a:r>
+            <a:r>
+              <a:rPr/>
+              <a:t>note</a:t>
+            </a:r>
+            <a:r>
+              <a:rPr/>
+              <a:t> </a:t>
             </a:r>
             <a:r>
               <a:rPr/>

--- a/test/pptx/speaker-notes/deleted-layouts.pptx
+++ b/test/pptx/speaker-notes/deleted-layouts.pptx
@@ -517,77 +517,37 @@
             </a:pPr>
             <a:r>
               <a:rPr/>
-              <a:t>Here</a:t>
+              <a:t>Here is a note.</a:t>
+            </a:r>
+          </a:p>
+          <a:p>
+            <a:pPr lvl="0" marL="0" indent="0">
+              <a:buNone/>
+            </a:pPr>
+          </a:p>
+          <a:p>
+            <a:pPr lvl="0" marL="0" indent="0">
+              <a:buNone/>
+            </a:pPr>
+            <a:r>
+              <a:rPr/>
+              <a:t>Here is </a:t>
+            </a:r>
+            <a:r>
+              <a:rPr i="1"/>
+              <a:t>some</a:t>
             </a:r>
             <a:r>
               <a:rPr/>
               <a:t> </a:t>
             </a:r>
             <a:r>
-              <a:rPr/>
-              <a:t>is</a:t>
-            </a:r>
-            <a:r>
-              <a:rPr/>
-              <a:t> </a:t>
-            </a:r>
-            <a:r>
-              <a:rPr/>
-              <a:t>a</a:t>
-            </a:r>
-            <a:r>
-              <a:rPr/>
-              <a:t> </a:t>
-            </a:r>
-            <a:r>
-              <a:rPr/>
-              <a:t>note.</a:t>
-            </a:r>
-          </a:p>
-          <a:p>
-            <a:pPr lvl="0" marL="0" indent="0">
-              <a:buNone/>
-            </a:pPr>
-          </a:p>
-          <a:p>
-            <a:pPr lvl="0" marL="0" indent="0">
-              <a:buNone/>
-            </a:pPr>
-            <a:r>
-              <a:rPr/>
-              <a:t>Here</a:t>
-            </a:r>
-            <a:r>
-              <a:rPr/>
-              <a:t> </a:t>
-            </a:r>
-            <a:r>
-              <a:rPr/>
-              <a:t>is</a:t>
-            </a:r>
-            <a:r>
-              <a:rPr/>
-              <a:t> </a:t>
-            </a:r>
-            <a:r>
-              <a:rPr i="1"/>
-              <a:t>some</a:t>
-            </a:r>
-            <a:r>
-              <a:rPr/>
-              <a:t> </a:t>
-            </a:r>
-            <a:r>
               <a:rPr b="1"/>
               <a:t>other</a:t>
             </a:r>
             <a:r>
               <a:rPr/>
-              <a:t> </a:t>
-            </a:r>
-            <a:r>
-              <a:rPr/>
-              <a:t>formatting.</a:t>
+              <a:t> formatting.</a:t>
             </a:r>
           </a:p>
         </p:txBody>
@@ -669,69 +629,21 @@
             </a:pPr>
             <a:r>
               <a:rPr/>
-              <a:t>The</a:t>
-            </a:r>
+              <a:t>The first note div</a:t>
+            </a:r>
+          </a:p>
+          <a:p>
+            <a:pPr lvl="0" marL="0" indent="0">
+              <a:buNone/>
+            </a:pPr>
+          </a:p>
+          <a:p>
+            <a:pPr lvl="0" marL="0" indent="0">
+              <a:buNone/>
+            </a:pPr>
             <a:r>
               <a:rPr/>
-              <a:t> </a:t>
-            </a:r>
-            <a:r>
-              <a:rPr/>
-              <a:t>first</a:t>
-            </a:r>
-            <a:r>
-              <a:rPr/>
-              <a:t> </a:t>
-            </a:r>
-            <a:r>
-              <a:rPr/>
-              <a:t>note</a:t>
-            </a:r>
-            <a:r>
-              <a:rPr/>
-              <a:t> </a:t>
-            </a:r>
-            <a:r>
-              <a:rPr/>
-              <a:t>div</a:t>
-            </a:r>
-          </a:p>
-          <a:p>
-            <a:pPr lvl="0" marL="0" indent="0">
-              <a:buNone/>
-            </a:pPr>
-          </a:p>
-          <a:p>
-            <a:pPr lvl="0" marL="0" indent="0">
-              <a:buNone/>
-            </a:pPr>
-            <a:r>
-              <a:rPr/>
-              <a:t>The</a:t>
-            </a:r>
-            <a:r>
-              <a:rPr/>
-              <a:t> </a:t>
-            </a:r>
-            <a:r>
-              <a:rPr/>
-              <a:t>second</a:t>
-            </a:r>
-            <a:r>
-              <a:rPr/>
-              <a:t> </a:t>
-            </a:r>
-            <a:r>
-              <a:rPr/>
-              <a:t>note</a:t>
-            </a:r>
-            <a:r>
-              <a:rPr/>
-              <a:t> </a:t>
-            </a:r>
-            <a:r>
-              <a:rPr/>
-              <a:t>div</a:t>
+              <a:t>The second note div</a:t>
             </a:r>
           </a:p>
         </p:txBody>
@@ -813,53 +725,21 @@
             </a:pPr>
             <a:r>
               <a:rPr/>
-              <a:t>No</a:t>
-            </a:r>
+              <a:t>No link here.</a:t>
+            </a:r>
+          </a:p>
+          <a:p>
+            <a:pPr lvl="0" marL="0" indent="0">
+              <a:buNone/>
+            </a:pPr>
+          </a:p>
+          <a:p>
+            <a:pPr lvl="0" marL="0" indent="0">
+              <a:buNone/>
+            </a:pPr>
             <a:r>
               <a:rPr/>
-              <a:t> </a:t>
-            </a:r>
-            <a:r>
-              <a:rPr/>
-              <a:t>link</a:t>
-            </a:r>
-            <a:r>
-              <a:rPr/>
-              <a:t> </a:t>
-            </a:r>
-            <a:r>
-              <a:rPr/>
-              <a:t>here.</a:t>
-            </a:r>
-          </a:p>
-          <a:p>
-            <a:pPr lvl="0" marL="0" indent="0">
-              <a:buNone/>
-            </a:pPr>
-          </a:p>
-          <a:p>
-            <a:pPr lvl="0" marL="0" indent="0">
-              <a:buNone/>
-            </a:pPr>
-            <a:r>
-              <a:rPr/>
-              <a:t>No</a:t>
-            </a:r>
-            <a:r>
-              <a:rPr/>
-              <a:t> </a:t>
-            </a:r>
-            <a:r>
-              <a:rPr/>
-              <a:t>note</a:t>
-            </a:r>
-            <a:r>
-              <a:rPr/>
-              <a:t> </a:t>
-            </a:r>
-            <a:r>
-              <a:rPr/>
-              <a:t>here.</a:t>
+              <a:t>No note here.</a:t>
             </a:r>
           </a:p>
         </p:txBody>
